--- a/中越詩歌/是為了愛_Vì Yêu.pptx
+++ b/中越詩歌/是為了愛_Vì Yêu.pptx
@@ -116,6 +116,11 @@
       </a:defRPr>
     </a:lvl9pPr>
   </p:defaultTextStyle>
+  <p:extLst>
+    <p:ext uri="{EFAFB233-063F-42B5-8137-9DF3F51BA10A}">
+      <p15:sldGuideLst xmlns:p15="http://schemas.microsoft.com/office/powerpoint/2012/main"/>
+    </p:ext>
+  </p:extLst>
 </p:presentation>
 </file>
 
@@ -157,7 +162,7 @@
           <a:lstStyle/>
           <a:p>
             <a:r>
-              <a:rPr lang="en-US" altLang="zh-TW" smtClean="0"/>
+              <a:rPr lang="en-US" altLang="zh-TW"/>
               <a:t>Click to edit Master title style</a:t>
             </a:r>
             <a:endParaRPr lang="zh-TW" altLang="en-US"/>
@@ -276,7 +281,7 @@
           </a:lstStyle>
           <a:p>
             <a:r>
-              <a:rPr lang="en-US" altLang="zh-TW" smtClean="0"/>
+              <a:rPr lang="en-US" altLang="zh-TW"/>
               <a:t>Click to edit Master subtitle style</a:t>
             </a:r>
             <a:endParaRPr lang="zh-TW" altLang="en-US"/>
@@ -300,7 +305,7 @@
           <a:p>
             <a:fld id="{D4692E76-A84B-4BC6-9743-F95DB1B8E565}" type="datetimeFigureOut">
               <a:rPr lang="vi-VN" smtClean="0"/>
-              <a:t>20/12/2022</a:t>
+              <a:t>25/12/2023</a:t>
             </a:fld>
             <a:endParaRPr lang="vi-VN"/>
           </a:p>
@@ -394,7 +399,7 @@
           <a:lstStyle/>
           <a:p>
             <a:r>
-              <a:rPr lang="en-US" altLang="zh-TW" smtClean="0"/>
+              <a:rPr lang="en-US" altLang="zh-TW"/>
               <a:t>Click to edit Master title style</a:t>
             </a:r>
             <a:endParaRPr lang="zh-TW" altLang="en-US"/>
@@ -418,35 +423,35 @@
           <a:p>
             <a:pPr lvl="0"/>
             <a:r>
-              <a:rPr lang="en-US" altLang="zh-TW" smtClean="0"/>
+              <a:rPr lang="en-US" altLang="zh-TW"/>
               <a:t>Edit Master text styles</a:t>
             </a:r>
           </a:p>
           <a:p>
             <a:pPr lvl="1"/>
             <a:r>
-              <a:rPr lang="en-US" altLang="zh-TW" smtClean="0"/>
+              <a:rPr lang="en-US" altLang="zh-TW"/>
               <a:t>Second level</a:t>
             </a:r>
           </a:p>
           <a:p>
             <a:pPr lvl="2"/>
             <a:r>
-              <a:rPr lang="en-US" altLang="zh-TW" smtClean="0"/>
+              <a:rPr lang="en-US" altLang="zh-TW"/>
               <a:t>Third level</a:t>
             </a:r>
           </a:p>
           <a:p>
             <a:pPr lvl="3"/>
             <a:r>
-              <a:rPr lang="en-US" altLang="zh-TW" smtClean="0"/>
+              <a:rPr lang="en-US" altLang="zh-TW"/>
               <a:t>Fourth level</a:t>
             </a:r>
           </a:p>
           <a:p>
             <a:pPr lvl="4"/>
             <a:r>
-              <a:rPr lang="en-US" altLang="zh-TW" smtClean="0"/>
+              <a:rPr lang="en-US" altLang="zh-TW"/>
               <a:t>Fifth level</a:t>
             </a:r>
             <a:endParaRPr lang="zh-TW" altLang="en-US"/>
@@ -470,7 +475,7 @@
           <a:p>
             <a:fld id="{D4692E76-A84B-4BC6-9743-F95DB1B8E565}" type="datetimeFigureOut">
               <a:rPr lang="vi-VN" smtClean="0"/>
-              <a:t>20/12/2022</a:t>
+              <a:t>25/12/2023</a:t>
             </a:fld>
             <a:endParaRPr lang="vi-VN"/>
           </a:p>
@@ -569,7 +574,7 @@
           <a:lstStyle/>
           <a:p>
             <a:r>
-              <a:rPr lang="en-US" altLang="zh-TW" smtClean="0"/>
+              <a:rPr lang="en-US" altLang="zh-TW"/>
               <a:t>Click to edit Master title style</a:t>
             </a:r>
             <a:endParaRPr lang="zh-TW" altLang="en-US"/>
@@ -598,35 +603,35 @@
           <a:p>
             <a:pPr lvl="0"/>
             <a:r>
-              <a:rPr lang="en-US" altLang="zh-TW" smtClean="0"/>
+              <a:rPr lang="en-US" altLang="zh-TW"/>
               <a:t>Edit Master text styles</a:t>
             </a:r>
           </a:p>
           <a:p>
             <a:pPr lvl="1"/>
             <a:r>
-              <a:rPr lang="en-US" altLang="zh-TW" smtClean="0"/>
+              <a:rPr lang="en-US" altLang="zh-TW"/>
               <a:t>Second level</a:t>
             </a:r>
           </a:p>
           <a:p>
             <a:pPr lvl="2"/>
             <a:r>
-              <a:rPr lang="en-US" altLang="zh-TW" smtClean="0"/>
+              <a:rPr lang="en-US" altLang="zh-TW"/>
               <a:t>Third level</a:t>
             </a:r>
           </a:p>
           <a:p>
             <a:pPr lvl="3"/>
             <a:r>
-              <a:rPr lang="en-US" altLang="zh-TW" smtClean="0"/>
+              <a:rPr lang="en-US" altLang="zh-TW"/>
               <a:t>Fourth level</a:t>
             </a:r>
           </a:p>
           <a:p>
             <a:pPr lvl="4"/>
             <a:r>
-              <a:rPr lang="en-US" altLang="zh-TW" smtClean="0"/>
+              <a:rPr lang="en-US" altLang="zh-TW"/>
               <a:t>Fifth level</a:t>
             </a:r>
             <a:endParaRPr lang="zh-TW" altLang="en-US"/>
@@ -650,7 +655,7 @@
           <a:p>
             <a:fld id="{D4692E76-A84B-4BC6-9743-F95DB1B8E565}" type="datetimeFigureOut">
               <a:rPr lang="vi-VN" smtClean="0"/>
-              <a:t>20/12/2022</a:t>
+              <a:t>25/12/2023</a:t>
             </a:fld>
             <a:endParaRPr lang="vi-VN"/>
           </a:p>
@@ -744,7 +749,7 @@
           <a:lstStyle/>
           <a:p>
             <a:r>
-              <a:rPr lang="en-US" altLang="zh-TW" smtClean="0"/>
+              <a:rPr lang="en-US" altLang="zh-TW"/>
               <a:t>Click to edit Master title style</a:t>
             </a:r>
             <a:endParaRPr lang="zh-TW" altLang="en-US"/>
@@ -768,35 +773,35 @@
           <a:p>
             <a:pPr lvl="0"/>
             <a:r>
-              <a:rPr lang="en-US" altLang="zh-TW" smtClean="0"/>
+              <a:rPr lang="en-US" altLang="zh-TW"/>
               <a:t>Edit Master text styles</a:t>
             </a:r>
           </a:p>
           <a:p>
             <a:pPr lvl="1"/>
             <a:r>
-              <a:rPr lang="en-US" altLang="zh-TW" smtClean="0"/>
+              <a:rPr lang="en-US" altLang="zh-TW"/>
               <a:t>Second level</a:t>
             </a:r>
           </a:p>
           <a:p>
             <a:pPr lvl="2"/>
             <a:r>
-              <a:rPr lang="en-US" altLang="zh-TW" smtClean="0"/>
+              <a:rPr lang="en-US" altLang="zh-TW"/>
               <a:t>Third level</a:t>
             </a:r>
           </a:p>
           <a:p>
             <a:pPr lvl="3"/>
             <a:r>
-              <a:rPr lang="en-US" altLang="zh-TW" smtClean="0"/>
+              <a:rPr lang="en-US" altLang="zh-TW"/>
               <a:t>Fourth level</a:t>
             </a:r>
           </a:p>
           <a:p>
             <a:pPr lvl="4"/>
             <a:r>
-              <a:rPr lang="en-US" altLang="zh-TW" smtClean="0"/>
+              <a:rPr lang="en-US" altLang="zh-TW"/>
               <a:t>Fifth level</a:t>
             </a:r>
             <a:endParaRPr lang="zh-TW" altLang="en-US"/>
@@ -820,7 +825,7 @@
           <a:p>
             <a:fld id="{D4692E76-A84B-4BC6-9743-F95DB1B8E565}" type="datetimeFigureOut">
               <a:rPr lang="vi-VN" smtClean="0"/>
-              <a:t>20/12/2022</a:t>
+              <a:t>25/12/2023</a:t>
             </a:fld>
             <a:endParaRPr lang="vi-VN"/>
           </a:p>
@@ -923,7 +928,7 @@
           </a:lstStyle>
           <a:p>
             <a:r>
-              <a:rPr lang="en-US" altLang="zh-TW" smtClean="0"/>
+              <a:rPr lang="en-US" altLang="zh-TW"/>
               <a:t>Click to edit Master title style</a:t>
             </a:r>
             <a:endParaRPr lang="zh-TW" altLang="en-US"/>
@@ -1043,7 +1048,7 @@
           <a:p>
             <a:pPr lvl="0"/>
             <a:r>
-              <a:rPr lang="en-US" altLang="zh-TW" smtClean="0"/>
+              <a:rPr lang="en-US" altLang="zh-TW"/>
               <a:t>Edit Master text styles</a:t>
             </a:r>
           </a:p>
@@ -1066,7 +1071,7 @@
           <a:p>
             <a:fld id="{D4692E76-A84B-4BC6-9743-F95DB1B8E565}" type="datetimeFigureOut">
               <a:rPr lang="vi-VN" smtClean="0"/>
-              <a:t>20/12/2022</a:t>
+              <a:t>25/12/2023</a:t>
             </a:fld>
             <a:endParaRPr lang="vi-VN"/>
           </a:p>
@@ -1160,7 +1165,7 @@
           <a:lstStyle/>
           <a:p>
             <a:r>
-              <a:rPr lang="en-US" altLang="zh-TW" smtClean="0"/>
+              <a:rPr lang="en-US" altLang="zh-TW"/>
               <a:t>Click to edit Master title style</a:t>
             </a:r>
             <a:endParaRPr lang="zh-TW" altLang="en-US"/>
@@ -1217,35 +1222,35 @@
           <a:p>
             <a:pPr lvl="0"/>
             <a:r>
-              <a:rPr lang="en-US" altLang="zh-TW" smtClean="0"/>
+              <a:rPr lang="en-US" altLang="zh-TW"/>
               <a:t>Edit Master text styles</a:t>
             </a:r>
           </a:p>
           <a:p>
             <a:pPr lvl="1"/>
             <a:r>
-              <a:rPr lang="en-US" altLang="zh-TW" smtClean="0"/>
+              <a:rPr lang="en-US" altLang="zh-TW"/>
               <a:t>Second level</a:t>
             </a:r>
           </a:p>
           <a:p>
             <a:pPr lvl="2"/>
             <a:r>
-              <a:rPr lang="en-US" altLang="zh-TW" smtClean="0"/>
+              <a:rPr lang="en-US" altLang="zh-TW"/>
               <a:t>Third level</a:t>
             </a:r>
           </a:p>
           <a:p>
             <a:pPr lvl="3"/>
             <a:r>
-              <a:rPr lang="en-US" altLang="zh-TW" smtClean="0"/>
+              <a:rPr lang="en-US" altLang="zh-TW"/>
               <a:t>Fourth level</a:t>
             </a:r>
           </a:p>
           <a:p>
             <a:pPr lvl="4"/>
             <a:r>
-              <a:rPr lang="en-US" altLang="zh-TW" smtClean="0"/>
+              <a:rPr lang="en-US" altLang="zh-TW"/>
               <a:t>Fifth level</a:t>
             </a:r>
             <a:endParaRPr lang="zh-TW" altLang="en-US"/>
@@ -1302,35 +1307,35 @@
           <a:p>
             <a:pPr lvl="0"/>
             <a:r>
-              <a:rPr lang="en-US" altLang="zh-TW" smtClean="0"/>
+              <a:rPr lang="en-US" altLang="zh-TW"/>
               <a:t>Edit Master text styles</a:t>
             </a:r>
           </a:p>
           <a:p>
             <a:pPr lvl="1"/>
             <a:r>
-              <a:rPr lang="en-US" altLang="zh-TW" smtClean="0"/>
+              <a:rPr lang="en-US" altLang="zh-TW"/>
               <a:t>Second level</a:t>
             </a:r>
           </a:p>
           <a:p>
             <a:pPr lvl="2"/>
             <a:r>
-              <a:rPr lang="en-US" altLang="zh-TW" smtClean="0"/>
+              <a:rPr lang="en-US" altLang="zh-TW"/>
               <a:t>Third level</a:t>
             </a:r>
           </a:p>
           <a:p>
             <a:pPr lvl="3"/>
             <a:r>
-              <a:rPr lang="en-US" altLang="zh-TW" smtClean="0"/>
+              <a:rPr lang="en-US" altLang="zh-TW"/>
               <a:t>Fourth level</a:t>
             </a:r>
           </a:p>
           <a:p>
             <a:pPr lvl="4"/>
             <a:r>
-              <a:rPr lang="en-US" altLang="zh-TW" smtClean="0"/>
+              <a:rPr lang="en-US" altLang="zh-TW"/>
               <a:t>Fifth level</a:t>
             </a:r>
             <a:endParaRPr lang="zh-TW" altLang="en-US"/>
@@ -1354,7 +1359,7 @@
           <a:p>
             <a:fld id="{D4692E76-A84B-4BC6-9743-F95DB1B8E565}" type="datetimeFigureOut">
               <a:rPr lang="vi-VN" smtClean="0"/>
-              <a:t>20/12/2022</a:t>
+              <a:t>25/12/2023</a:t>
             </a:fld>
             <a:endParaRPr lang="vi-VN"/>
           </a:p>
@@ -1452,7 +1457,7 @@
           </a:lstStyle>
           <a:p>
             <a:r>
-              <a:rPr lang="en-US" altLang="zh-TW" smtClean="0"/>
+              <a:rPr lang="en-US" altLang="zh-TW"/>
               <a:t>Click to edit Master title style</a:t>
             </a:r>
             <a:endParaRPr lang="zh-TW" altLang="en-US"/>
@@ -1518,7 +1523,7 @@
           <a:p>
             <a:pPr lvl="0"/>
             <a:r>
-              <a:rPr lang="en-US" altLang="zh-TW" smtClean="0"/>
+              <a:rPr lang="en-US" altLang="zh-TW"/>
               <a:t>Edit Master text styles</a:t>
             </a:r>
           </a:p>
@@ -1574,35 +1579,35 @@
           <a:p>
             <a:pPr lvl="0"/>
             <a:r>
-              <a:rPr lang="en-US" altLang="zh-TW" smtClean="0"/>
+              <a:rPr lang="en-US" altLang="zh-TW"/>
               <a:t>Edit Master text styles</a:t>
             </a:r>
           </a:p>
           <a:p>
             <a:pPr lvl="1"/>
             <a:r>
-              <a:rPr lang="en-US" altLang="zh-TW" smtClean="0"/>
+              <a:rPr lang="en-US" altLang="zh-TW"/>
               <a:t>Second level</a:t>
             </a:r>
           </a:p>
           <a:p>
             <a:pPr lvl="2"/>
             <a:r>
-              <a:rPr lang="en-US" altLang="zh-TW" smtClean="0"/>
+              <a:rPr lang="en-US" altLang="zh-TW"/>
               <a:t>Third level</a:t>
             </a:r>
           </a:p>
           <a:p>
             <a:pPr lvl="3"/>
             <a:r>
-              <a:rPr lang="en-US" altLang="zh-TW" smtClean="0"/>
+              <a:rPr lang="en-US" altLang="zh-TW"/>
               <a:t>Fourth level</a:t>
             </a:r>
           </a:p>
           <a:p>
             <a:pPr lvl="4"/>
             <a:r>
-              <a:rPr lang="en-US" altLang="zh-TW" smtClean="0"/>
+              <a:rPr lang="en-US" altLang="zh-TW"/>
               <a:t>Fifth level</a:t>
             </a:r>
             <a:endParaRPr lang="zh-TW" altLang="en-US"/>
@@ -1668,7 +1673,7 @@
           <a:p>
             <a:pPr lvl="0"/>
             <a:r>
-              <a:rPr lang="en-US" altLang="zh-TW" smtClean="0"/>
+              <a:rPr lang="en-US" altLang="zh-TW"/>
               <a:t>Edit Master text styles</a:t>
             </a:r>
           </a:p>
@@ -1724,35 +1729,35 @@
           <a:p>
             <a:pPr lvl="0"/>
             <a:r>
-              <a:rPr lang="en-US" altLang="zh-TW" smtClean="0"/>
+              <a:rPr lang="en-US" altLang="zh-TW"/>
               <a:t>Edit Master text styles</a:t>
             </a:r>
           </a:p>
           <a:p>
             <a:pPr lvl="1"/>
             <a:r>
-              <a:rPr lang="en-US" altLang="zh-TW" smtClean="0"/>
+              <a:rPr lang="en-US" altLang="zh-TW"/>
               <a:t>Second level</a:t>
             </a:r>
           </a:p>
           <a:p>
             <a:pPr lvl="2"/>
             <a:r>
-              <a:rPr lang="en-US" altLang="zh-TW" smtClean="0"/>
+              <a:rPr lang="en-US" altLang="zh-TW"/>
               <a:t>Third level</a:t>
             </a:r>
           </a:p>
           <a:p>
             <a:pPr lvl="3"/>
             <a:r>
-              <a:rPr lang="en-US" altLang="zh-TW" smtClean="0"/>
+              <a:rPr lang="en-US" altLang="zh-TW"/>
               <a:t>Fourth level</a:t>
             </a:r>
           </a:p>
           <a:p>
             <a:pPr lvl="4"/>
             <a:r>
-              <a:rPr lang="en-US" altLang="zh-TW" smtClean="0"/>
+              <a:rPr lang="en-US" altLang="zh-TW"/>
               <a:t>Fifth level</a:t>
             </a:r>
             <a:endParaRPr lang="zh-TW" altLang="en-US"/>
@@ -1776,7 +1781,7 @@
           <a:p>
             <a:fld id="{D4692E76-A84B-4BC6-9743-F95DB1B8E565}" type="datetimeFigureOut">
               <a:rPr lang="vi-VN" smtClean="0"/>
-              <a:t>20/12/2022</a:t>
+              <a:t>25/12/2023</a:t>
             </a:fld>
             <a:endParaRPr lang="vi-VN"/>
           </a:p>
@@ -1870,7 +1875,7 @@
           <a:lstStyle/>
           <a:p>
             <a:r>
-              <a:rPr lang="en-US" altLang="zh-TW" smtClean="0"/>
+              <a:rPr lang="en-US" altLang="zh-TW"/>
               <a:t>Click to edit Master title style</a:t>
             </a:r>
             <a:endParaRPr lang="zh-TW" altLang="en-US"/>
@@ -1894,7 +1899,7 @@
           <a:p>
             <a:fld id="{D4692E76-A84B-4BC6-9743-F95DB1B8E565}" type="datetimeFigureOut">
               <a:rPr lang="vi-VN" smtClean="0"/>
-              <a:t>20/12/2022</a:t>
+              <a:t>25/12/2023</a:t>
             </a:fld>
             <a:endParaRPr lang="vi-VN"/>
           </a:p>
@@ -1989,7 +1994,7 @@
           <a:p>
             <a:fld id="{D4692E76-A84B-4BC6-9743-F95DB1B8E565}" type="datetimeFigureOut">
               <a:rPr lang="vi-VN" smtClean="0"/>
-              <a:t>20/12/2022</a:t>
+              <a:t>25/12/2023</a:t>
             </a:fld>
             <a:endParaRPr lang="vi-VN"/>
           </a:p>
@@ -2092,7 +2097,7 @@
           </a:lstStyle>
           <a:p>
             <a:r>
-              <a:rPr lang="en-US" altLang="zh-TW" smtClean="0"/>
+              <a:rPr lang="en-US" altLang="zh-TW"/>
               <a:t>Click to edit Master title style</a:t>
             </a:r>
             <a:endParaRPr lang="zh-TW" altLang="en-US"/>
@@ -2149,35 +2154,35 @@
           <a:p>
             <a:pPr lvl="0"/>
             <a:r>
-              <a:rPr lang="en-US" altLang="zh-TW" smtClean="0"/>
+              <a:rPr lang="en-US" altLang="zh-TW"/>
               <a:t>Edit Master text styles</a:t>
             </a:r>
           </a:p>
           <a:p>
             <a:pPr lvl="1"/>
             <a:r>
-              <a:rPr lang="en-US" altLang="zh-TW" smtClean="0"/>
+              <a:rPr lang="en-US" altLang="zh-TW"/>
               <a:t>Second level</a:t>
             </a:r>
           </a:p>
           <a:p>
             <a:pPr lvl="2"/>
             <a:r>
-              <a:rPr lang="en-US" altLang="zh-TW" smtClean="0"/>
+              <a:rPr lang="en-US" altLang="zh-TW"/>
               <a:t>Third level</a:t>
             </a:r>
           </a:p>
           <a:p>
             <a:pPr lvl="3"/>
             <a:r>
-              <a:rPr lang="en-US" altLang="zh-TW" smtClean="0"/>
+              <a:rPr lang="en-US" altLang="zh-TW"/>
               <a:t>Fourth level</a:t>
             </a:r>
           </a:p>
           <a:p>
             <a:pPr lvl="4"/>
             <a:r>
-              <a:rPr lang="en-US" altLang="zh-TW" smtClean="0"/>
+              <a:rPr lang="en-US" altLang="zh-TW"/>
               <a:t>Fifth level</a:t>
             </a:r>
             <a:endParaRPr lang="zh-TW" altLang="en-US"/>
@@ -2243,7 +2248,7 @@
           <a:p>
             <a:pPr lvl="0"/>
             <a:r>
-              <a:rPr lang="en-US" altLang="zh-TW" smtClean="0"/>
+              <a:rPr lang="en-US" altLang="zh-TW"/>
               <a:t>Edit Master text styles</a:t>
             </a:r>
           </a:p>
@@ -2266,7 +2271,7 @@
           <a:p>
             <a:fld id="{D4692E76-A84B-4BC6-9743-F95DB1B8E565}" type="datetimeFigureOut">
               <a:rPr lang="vi-VN" smtClean="0"/>
-              <a:t>20/12/2022</a:t>
+              <a:t>25/12/2023</a:t>
             </a:fld>
             <a:endParaRPr lang="vi-VN"/>
           </a:p>
@@ -2369,7 +2374,7 @@
           </a:lstStyle>
           <a:p>
             <a:r>
-              <a:rPr lang="en-US" altLang="zh-TW" smtClean="0"/>
+              <a:rPr lang="en-US" altLang="zh-TW"/>
               <a:t>Click to edit Master title style</a:t>
             </a:r>
             <a:endParaRPr lang="zh-TW" altLang="en-US"/>
@@ -2434,7 +2439,7 @@
           </a:lstStyle>
           <a:p>
             <a:r>
-              <a:rPr lang="en-US" altLang="zh-TW" smtClean="0"/>
+              <a:rPr lang="en-US" altLang="zh-TW"/>
               <a:t>Click icon to add picture</a:t>
             </a:r>
             <a:endParaRPr lang="zh-TW" altLang="en-US"/>
@@ -2500,7 +2505,7 @@
           <a:p>
             <a:pPr lvl="0"/>
             <a:r>
-              <a:rPr lang="en-US" altLang="zh-TW" smtClean="0"/>
+              <a:rPr lang="en-US" altLang="zh-TW"/>
               <a:t>Edit Master text styles</a:t>
             </a:r>
           </a:p>
@@ -2523,7 +2528,7 @@
           <a:p>
             <a:fld id="{D4692E76-A84B-4BC6-9743-F95DB1B8E565}" type="datetimeFigureOut">
               <a:rPr lang="vi-VN" smtClean="0"/>
-              <a:t>20/12/2022</a:t>
+              <a:t>25/12/2023</a:t>
             </a:fld>
             <a:endParaRPr lang="vi-VN"/>
           </a:p>
@@ -2637,10 +2642,9 @@
           <a:lstStyle/>
           <a:p>
             <a:r>
-              <a:rPr lang="zh-TW" altLang="en-US" smtClean="0"/>
+              <a:rPr lang="zh-TW" altLang="en-US"/>
               <a:t>按一下以編輯母片標題樣式</a:t>
             </a:r>
-            <a:endParaRPr lang="zh-TW" altLang="en-US"/>
           </a:p>
         </p:txBody>
       </p:sp>
@@ -2671,38 +2675,37 @@
           <a:p>
             <a:pPr lvl="0"/>
             <a:r>
-              <a:rPr lang="zh-TW" altLang="en-US" smtClean="0"/>
+              <a:rPr lang="zh-TW" altLang="en-US"/>
               <a:t>按一下以編輯母片文字樣式</a:t>
             </a:r>
           </a:p>
           <a:p>
             <a:pPr lvl="1"/>
             <a:r>
-              <a:rPr lang="zh-TW" altLang="en-US" smtClean="0"/>
+              <a:rPr lang="zh-TW" altLang="en-US"/>
               <a:t>第二層</a:t>
             </a:r>
           </a:p>
           <a:p>
             <a:pPr lvl="2"/>
             <a:r>
-              <a:rPr lang="zh-TW" altLang="en-US" smtClean="0"/>
+              <a:rPr lang="zh-TW" altLang="en-US"/>
               <a:t>第三層</a:t>
             </a:r>
           </a:p>
           <a:p>
             <a:pPr lvl="3"/>
             <a:r>
-              <a:rPr lang="zh-TW" altLang="en-US" smtClean="0"/>
+              <a:rPr lang="zh-TW" altLang="en-US"/>
               <a:t>第四層</a:t>
             </a:r>
           </a:p>
           <a:p>
             <a:pPr lvl="4"/>
             <a:r>
-              <a:rPr lang="zh-TW" altLang="en-US" smtClean="0"/>
+              <a:rPr lang="zh-TW" altLang="en-US"/>
               <a:t>第五層</a:t>
             </a:r>
-            <a:endParaRPr lang="zh-TW" altLang="en-US"/>
           </a:p>
         </p:txBody>
       </p:sp>
@@ -2741,7 +2744,7 @@
           <a:p>
             <a:fld id="{D4692E76-A84B-4BC6-9743-F95DB1B8E565}" type="datetimeFigureOut">
               <a:rPr lang="vi-VN" smtClean="0"/>
-              <a:t>20/12/2022</a:t>
+              <a:t>25/12/2023</a:t>
             </a:fld>
             <a:endParaRPr lang="vi-VN"/>
           </a:p>
@@ -3169,24 +3172,7 @@
                 <a:latin typeface="微軟正黑體" pitchFamily="34" charset="-120"/>
                 <a:ea typeface="微軟正黑體" pitchFamily="34" charset="-120"/>
               </a:rPr>
-              <a:t>是</a:t>
-            </a:r>
-            <a:r>
-              <a:rPr lang="zh-CN" altLang="en-US" sz="7200" b="1" i="1" dirty="0">
-                <a:solidFill>
-                  <a:srgbClr val="000066"/>
-                </a:solidFill>
-                <a:effectLst>
-                  <a:outerShdw blurRad="38100" dist="38100" dir="2700000" algn="tl">
-                    <a:srgbClr val="000000">
-                      <a:alpha val="43137"/>
-                    </a:srgbClr>
-                  </a:outerShdw>
-                </a:effectLst>
-                <a:latin typeface="微軟正黑體" pitchFamily="34" charset="-120"/>
-                <a:ea typeface="微軟正黑體" pitchFamily="34" charset="-120"/>
-              </a:rPr>
-              <a:t>為了愛</a:t>
+              <a:t>是為了愛</a:t>
             </a:r>
             <a:endParaRPr lang="zh-TW" altLang="en-US" sz="7200" b="1" i="1" dirty="0">
               <a:solidFill>
@@ -3378,27 +3364,7 @@
                 <a:latin typeface="微軟正黑體" pitchFamily="34" charset="-120"/>
                 <a:ea typeface="微軟正黑體" pitchFamily="34" charset="-120"/>
               </a:rPr>
-              <a:t>我們敬</a:t>
-            </a:r>
-            <a:r>
-              <a:rPr lang="zh-TW" altLang="en-US" sz="6400" b="1" dirty="0">
-                <a:solidFill>
-                  <a:srgbClr val="000066"/>
-                </a:solidFill>
-                <a:latin typeface="微軟正黑體" pitchFamily="34" charset="-120"/>
-                <a:ea typeface="微軟正黑體" pitchFamily="34" charset="-120"/>
-              </a:rPr>
-              <a:t>拜  親</a:t>
-            </a:r>
-            <a:r>
-              <a:rPr lang="zh-TW" altLang="en-US" sz="6400" b="1" dirty="0">
-                <a:solidFill>
-                  <a:srgbClr val="000066"/>
-                </a:solidFill>
-                <a:latin typeface="微軟正黑體" pitchFamily="34" charset="-120"/>
-                <a:ea typeface="微軟正黑體" pitchFamily="34" charset="-120"/>
-              </a:rPr>
-              <a:t>愛耶穌</a:t>
+              <a:t>我們敬拜  親愛耶穌</a:t>
             </a:r>
             <a:endParaRPr lang="en-US" altLang="zh-CN" sz="6400" b="1" dirty="0">
               <a:solidFill>
@@ -3755,17 +3721,7 @@
                 <a:latin typeface="Microsoft JhengHei" panose="020B0604030504040204" pitchFamily="34" charset="-120"/>
                 <a:ea typeface="Microsoft JhengHei" panose="020B0604030504040204" pitchFamily="34" charset="-120"/>
               </a:rPr>
-              <a:t> </a:t>
-            </a:r>
-            <a:r>
-              <a:rPr lang="en-US" sz="3733" b="1" dirty="0">
-                <a:solidFill>
-                  <a:srgbClr val="000066"/>
-                </a:solidFill>
-                <a:latin typeface="Microsoft JhengHei" panose="020B0604030504040204" pitchFamily="34" charset="-120"/>
-                <a:ea typeface="Microsoft JhengHei" panose="020B0604030504040204" pitchFamily="34" charset="-120"/>
-              </a:rPr>
-              <a:t>)</a:t>
+              <a:t> )</a:t>
             </a:r>
             <a:endParaRPr lang="vi-VN" sz="3733" b="1" dirty="0">
               <a:solidFill>
@@ -3850,17 +3806,7 @@
                 <a:latin typeface="微軟正黑體" pitchFamily="34" charset="-120"/>
                 <a:ea typeface="微軟正黑體" pitchFamily="34" charset="-120"/>
               </a:rPr>
-              <a:t>就</a:t>
-            </a:r>
-            <a:r>
-              <a:rPr lang="zh-TW" altLang="en-US" sz="6400" b="1" dirty="0">
-                <a:solidFill>
-                  <a:srgbClr val="000066"/>
-                </a:solidFill>
-                <a:latin typeface="微軟正黑體" pitchFamily="34" charset="-120"/>
-                <a:ea typeface="微軟正黑體" pitchFamily="34" charset="-120"/>
-              </a:rPr>
-              <a:t>是愛和平安</a:t>
+              <a:t>就是愛和平安</a:t>
             </a:r>
             <a:endParaRPr lang="en-US" altLang="zh-CN" sz="6400" b="1" dirty="0">
               <a:solidFill>
@@ -4264,17 +4210,7 @@
                 <a:latin typeface="Microsoft JhengHei" panose="020B0604030504040204" pitchFamily="34" charset="-120"/>
                 <a:ea typeface="Microsoft JhengHei" panose="020B0604030504040204" pitchFamily="34" charset="-120"/>
               </a:rPr>
-              <a:t> </a:t>
-            </a:r>
-            <a:r>
-              <a:rPr lang="en-US" sz="3733" b="1" dirty="0">
-                <a:solidFill>
-                  <a:srgbClr val="000066"/>
-                </a:solidFill>
-                <a:latin typeface="Microsoft JhengHei" panose="020B0604030504040204" pitchFamily="34" charset="-120"/>
-                <a:ea typeface="Microsoft JhengHei" panose="020B0604030504040204" pitchFamily="34" charset="-120"/>
-              </a:rPr>
-              <a:t>)</a:t>
+              <a:t> )</a:t>
             </a:r>
             <a:endParaRPr lang="vi-VN" sz="3733" b="1" dirty="0">
               <a:solidFill>
@@ -4576,29 +4512,29 @@
                 <a:ea typeface="微軟正黑體" pitchFamily="34" charset="-120"/>
                 <a:cs typeface="Calibri" panose="020F0502020204030204" pitchFamily="34" charset="0"/>
               </a:rPr>
+              <a:t>đong</a:t>
+            </a:r>
+            <a:r>
+              <a:rPr lang="en-US" sz="4000" b="1" dirty="0">
+                <a:solidFill>
+                  <a:srgbClr val="660033"/>
+                </a:solidFill>
+                <a:latin typeface="Calibri" panose="020F0502020204030204" pitchFamily="34" charset="0"/>
+                <a:ea typeface="微軟正黑體" pitchFamily="34" charset="-120"/>
+                <a:cs typeface="Calibri" panose="020F0502020204030204" pitchFamily="34" charset="0"/>
+              </a:rPr>
+              <a:t> </a:t>
+            </a:r>
+            <a:r>
+              <a:rPr lang="en-US" sz="4000" b="1" dirty="0" err="1">
+                <a:solidFill>
+                  <a:srgbClr val="660033"/>
+                </a:solidFill>
+                <a:latin typeface="Calibri" panose="020F0502020204030204" pitchFamily="34" charset="0"/>
+                <a:ea typeface="微軟正黑體" pitchFamily="34" charset="-120"/>
+                <a:cs typeface="Calibri" panose="020F0502020204030204" pitchFamily="34" charset="0"/>
+              </a:rPr>
               <a:t>đầy</a:t>
-            </a:r>
-            <a:r>
-              <a:rPr lang="en-US" sz="4000" b="1" dirty="0">
-                <a:solidFill>
-                  <a:srgbClr val="660033"/>
-                </a:solidFill>
-                <a:latin typeface="Calibri" panose="020F0502020204030204" pitchFamily="34" charset="0"/>
-                <a:ea typeface="微軟正黑體" pitchFamily="34" charset="-120"/>
-                <a:cs typeface="Calibri" panose="020F0502020204030204" pitchFamily="34" charset="0"/>
-              </a:rPr>
-              <a:t> </a:t>
-            </a:r>
-            <a:r>
-              <a:rPr lang="en-US" sz="4000" b="1" dirty="0" err="1">
-                <a:solidFill>
-                  <a:srgbClr val="660033"/>
-                </a:solidFill>
-                <a:latin typeface="Calibri" panose="020F0502020204030204" pitchFamily="34" charset="0"/>
-                <a:ea typeface="微軟正黑體" pitchFamily="34" charset="-120"/>
-                <a:cs typeface="Calibri" panose="020F0502020204030204" pitchFamily="34" charset="0"/>
-              </a:rPr>
-              <a:t>tràn</a:t>
             </a:r>
             <a:r>
               <a:rPr lang="en-US" sz="4000" b="1" dirty="0">
@@ -4750,17 +4686,7 @@
                 <a:latin typeface="Microsoft JhengHei" panose="020B0604030504040204" pitchFamily="34" charset="-120"/>
                 <a:ea typeface="Microsoft JhengHei" panose="020B0604030504040204" pitchFamily="34" charset="-120"/>
               </a:rPr>
-              <a:t> </a:t>
-            </a:r>
-            <a:r>
-              <a:rPr lang="en-US" sz="3733" b="1" dirty="0">
-                <a:solidFill>
-                  <a:srgbClr val="000066"/>
-                </a:solidFill>
-                <a:latin typeface="Microsoft JhengHei" panose="020B0604030504040204" pitchFamily="34" charset="-120"/>
-                <a:ea typeface="Microsoft JhengHei" panose="020B0604030504040204" pitchFamily="34" charset="-120"/>
-              </a:rPr>
-              <a:t>)</a:t>
+              <a:t> )</a:t>
             </a:r>
             <a:endParaRPr lang="vi-VN" sz="3733" b="1" dirty="0">
               <a:solidFill>
@@ -5236,17 +5162,7 @@
                 <a:latin typeface="Microsoft JhengHei" panose="020B0604030504040204" pitchFamily="34" charset="-120"/>
                 <a:ea typeface="Microsoft JhengHei" panose="020B0604030504040204" pitchFamily="34" charset="-120"/>
               </a:rPr>
-              <a:t> </a:t>
-            </a:r>
-            <a:r>
-              <a:rPr lang="en-US" sz="3733" b="1" dirty="0">
-                <a:solidFill>
-                  <a:srgbClr val="000066"/>
-                </a:solidFill>
-                <a:latin typeface="Microsoft JhengHei" panose="020B0604030504040204" pitchFamily="34" charset="-120"/>
-                <a:ea typeface="Microsoft JhengHei" panose="020B0604030504040204" pitchFamily="34" charset="-120"/>
-              </a:rPr>
-              <a:t>)</a:t>
+              <a:t> )</a:t>
             </a:r>
             <a:endParaRPr lang="vi-VN" sz="3733" b="1" dirty="0">
               <a:solidFill>
@@ -5321,37 +5237,7 @@
                 <a:latin typeface="微軟正黑體" pitchFamily="34" charset="-120"/>
                 <a:ea typeface="微軟正黑體" pitchFamily="34" charset="-120"/>
               </a:rPr>
-              <a:t>平</a:t>
-            </a:r>
-            <a:r>
-              <a:rPr lang="zh-CN" altLang="en-US" sz="6400" b="1" dirty="0">
-                <a:solidFill>
-                  <a:srgbClr val="000066"/>
-                </a:solidFill>
-                <a:latin typeface="微軟正黑體" pitchFamily="34" charset="-120"/>
-                <a:ea typeface="微軟正黑體" pitchFamily="34" charset="-120"/>
-              </a:rPr>
-              <a:t>安君</a:t>
-            </a:r>
-            <a:r>
-              <a:rPr lang="zh-CN" altLang="en-US" sz="6400" b="1" dirty="0">
-                <a:solidFill>
-                  <a:srgbClr val="000066"/>
-                </a:solidFill>
-                <a:latin typeface="微軟正黑體" pitchFamily="34" charset="-120"/>
-                <a:ea typeface="微軟正黑體" pitchFamily="34" charset="-120"/>
-              </a:rPr>
-              <a:t>王  謙</a:t>
-            </a:r>
-            <a:r>
-              <a:rPr lang="zh-CN" altLang="en-US" sz="6400" b="1" dirty="0">
-                <a:solidFill>
-                  <a:srgbClr val="000066"/>
-                </a:solidFill>
-                <a:latin typeface="微軟正黑體" pitchFamily="34" charset="-120"/>
-                <a:ea typeface="微軟正黑體" pitchFamily="34" charset="-120"/>
-              </a:rPr>
-              <a:t>卑來到世上</a:t>
+              <a:t>平安君王  謙卑來到世上</a:t>
             </a:r>
             <a:endParaRPr lang="en-US" altLang="zh-CN" sz="6400" b="1" dirty="0">
               <a:solidFill>
@@ -5708,17 +5594,7 @@
                 <a:latin typeface="Microsoft JhengHei" panose="020B0604030504040204" pitchFamily="34" charset="-120"/>
                 <a:ea typeface="Microsoft JhengHei" panose="020B0604030504040204" pitchFamily="34" charset="-120"/>
               </a:rPr>
-              <a:t> </a:t>
-            </a:r>
-            <a:r>
-              <a:rPr lang="en-US" sz="3733" b="1" dirty="0">
-                <a:solidFill>
-                  <a:srgbClr val="000066"/>
-                </a:solidFill>
-                <a:latin typeface="Microsoft JhengHei" panose="020B0604030504040204" pitchFamily="34" charset="-120"/>
-                <a:ea typeface="Microsoft JhengHei" panose="020B0604030504040204" pitchFamily="34" charset="-120"/>
-              </a:rPr>
-              <a:t>)</a:t>
+              <a:t> )</a:t>
             </a:r>
             <a:endParaRPr lang="vi-VN" sz="3733" b="1" dirty="0">
               <a:solidFill>
@@ -5792,27 +5668,7 @@
                 <a:latin typeface="微軟正黑體" pitchFamily="34" charset="-120"/>
                 <a:ea typeface="微軟正黑體" pitchFamily="34" charset="-120"/>
               </a:rPr>
-              <a:t>明亮晨</a:t>
-            </a:r>
-            <a:r>
-              <a:rPr lang="zh-CN" altLang="en-US" sz="6400" b="1" dirty="0">
-                <a:solidFill>
-                  <a:srgbClr val="000066"/>
-                </a:solidFill>
-                <a:latin typeface="微軟正黑體" pitchFamily="34" charset="-120"/>
-                <a:ea typeface="微軟正黑體" pitchFamily="34" charset="-120"/>
-              </a:rPr>
-              <a:t>星  照</a:t>
-            </a:r>
-            <a:r>
-              <a:rPr lang="zh-CN" altLang="en-US" sz="6400" b="1" dirty="0">
-                <a:solidFill>
-                  <a:srgbClr val="000066"/>
-                </a:solidFill>
-                <a:latin typeface="微軟正黑體" pitchFamily="34" charset="-120"/>
-                <a:ea typeface="微軟正黑體" pitchFamily="34" charset="-120"/>
-              </a:rPr>
-              <a:t>亮渴望的心</a:t>
+              <a:t>明亮晨星  照亮渴望的心</a:t>
             </a:r>
             <a:endParaRPr lang="en-US" altLang="zh-CN" sz="6400" b="1" dirty="0">
               <a:solidFill>
@@ -6321,27 +6177,7 @@
                 <a:latin typeface="微軟正黑體" pitchFamily="34" charset="-120"/>
                 <a:ea typeface="微軟正黑體" pitchFamily="34" charset="-120"/>
               </a:rPr>
-              <a:t>小小嬰</a:t>
-            </a:r>
-            <a:r>
-              <a:rPr lang="zh-CN" altLang="en-US" sz="6400" b="1" dirty="0">
-                <a:solidFill>
-                  <a:srgbClr val="000066"/>
-                </a:solidFill>
-                <a:latin typeface="微軟正黑體" pitchFamily="34" charset="-120"/>
-                <a:ea typeface="微軟正黑體" pitchFamily="34" charset="-120"/>
-              </a:rPr>
-              <a:t>孩  是</a:t>
-            </a:r>
-            <a:r>
-              <a:rPr lang="zh-CN" altLang="en-US" sz="6400" b="1" dirty="0">
-                <a:solidFill>
-                  <a:srgbClr val="000066"/>
-                </a:solidFill>
-                <a:latin typeface="微軟正黑體" pitchFamily="34" charset="-120"/>
-                <a:ea typeface="微軟正黑體" pitchFamily="34" charset="-120"/>
-              </a:rPr>
-              <a:t>尊貴的君王</a:t>
+              <a:t>小小嬰孩  是尊貴的君王</a:t>
             </a:r>
             <a:endParaRPr lang="en-US" altLang="zh-CN" sz="6400" b="1" dirty="0">
               <a:solidFill>
@@ -6547,6 +6383,28 @@
                 <a:cs typeface="Calibri" panose="020F0502020204030204" pitchFamily="34" charset="0"/>
               </a:rPr>
               <a:t>nhi</a:t>
+            </a:r>
+            <a:r>
+              <a:rPr lang="fr-FR" sz="4000" b="1" dirty="0">
+                <a:solidFill>
+                  <a:srgbClr val="660033"/>
+                </a:solidFill>
+                <a:latin typeface="Calibri" panose="020F0502020204030204" pitchFamily="34" charset="0"/>
+                <a:ea typeface="微軟正黑體" pitchFamily="34" charset="-120"/>
+                <a:cs typeface="Calibri" panose="020F0502020204030204" pitchFamily="34" charset="0"/>
+              </a:rPr>
+              <a:t> </a:t>
+            </a:r>
+            <a:r>
+              <a:rPr lang="fr-FR" sz="4000" b="1" dirty="0" err="1">
+                <a:solidFill>
+                  <a:srgbClr val="660033"/>
+                </a:solidFill>
+                <a:latin typeface="Calibri" panose="020F0502020204030204" pitchFamily="34" charset="0"/>
+                <a:ea typeface="微軟正黑體" pitchFamily="34" charset="-120"/>
+                <a:cs typeface="Calibri" panose="020F0502020204030204" pitchFamily="34" charset="0"/>
+              </a:rPr>
+              <a:t>thánh</a:t>
             </a:r>
             <a:r>
               <a:rPr lang="fr-FR" sz="4000" b="1" dirty="0">
@@ -6773,27 +6631,7 @@
                 <a:latin typeface="微軟正黑體" pitchFamily="34" charset="-120"/>
                 <a:ea typeface="微軟正黑體" pitchFamily="34" charset="-120"/>
               </a:rPr>
-              <a:t>耶穌降</a:t>
-            </a:r>
-            <a:r>
-              <a:rPr lang="zh-CN" altLang="en-US" sz="6400" b="1" dirty="0">
-                <a:solidFill>
-                  <a:srgbClr val="000066"/>
-                </a:solidFill>
-                <a:latin typeface="微軟正黑體" pitchFamily="34" charset="-120"/>
-                <a:ea typeface="微軟正黑體" pitchFamily="34" charset="-120"/>
-              </a:rPr>
-              <a:t>生  帶</a:t>
-            </a:r>
-            <a:r>
-              <a:rPr lang="zh-CN" altLang="en-US" sz="6400" b="1" dirty="0">
-                <a:solidFill>
-                  <a:srgbClr val="000066"/>
-                </a:solidFill>
-                <a:latin typeface="微軟正黑體" pitchFamily="34" charset="-120"/>
-                <a:ea typeface="微軟正黑體" pitchFamily="34" charset="-120"/>
-              </a:rPr>
-              <a:t>來愛和盼望</a:t>
+              <a:t>耶穌降生  帶來愛和盼望</a:t>
             </a:r>
             <a:endParaRPr lang="en-US" altLang="zh-CN" sz="6400" b="1" dirty="0">
               <a:solidFill>
@@ -7119,29 +6957,7 @@
                 <a:ea typeface="微軟正黑體" pitchFamily="34" charset="-120"/>
                 <a:cs typeface="Calibri" panose="020F0502020204030204" pitchFamily="34" charset="0"/>
               </a:rPr>
-              <a:t> </a:t>
-            </a:r>
-            <a:r>
-              <a:rPr lang="en-US" sz="4000" b="1" dirty="0" err="1">
-                <a:solidFill>
-                  <a:srgbClr val="660033"/>
-                </a:solidFill>
-                <a:latin typeface="Calibri" panose="020F0502020204030204" pitchFamily="34" charset="0"/>
-                <a:ea typeface="微軟正黑體" pitchFamily="34" charset="-120"/>
-                <a:cs typeface="Calibri" panose="020F0502020204030204" pitchFamily="34" charset="0"/>
-              </a:rPr>
-              <a:t>hy</a:t>
-            </a:r>
-            <a:r>
-              <a:rPr lang="en-US" sz="4000" b="1" dirty="0">
-                <a:solidFill>
-                  <a:srgbClr val="660033"/>
-                </a:solidFill>
-                <a:latin typeface="Calibri" panose="020F0502020204030204" pitchFamily="34" charset="0"/>
-                <a:ea typeface="微軟正黑體" pitchFamily="34" charset="-120"/>
-                <a:cs typeface="Calibri" panose="020F0502020204030204" pitchFamily="34" charset="0"/>
-              </a:rPr>
-              <a:t> </a:t>
+              <a:t> hi </a:t>
             </a:r>
             <a:r>
               <a:rPr lang="en-US" sz="4000" b="1" dirty="0" err="1">
@@ -7291,47 +7107,7 @@
                 <a:latin typeface="微軟正黑體" pitchFamily="34" charset="-120"/>
                 <a:ea typeface="微軟正黑體" pitchFamily="34" charset="-120"/>
               </a:rPr>
-              <a:t>是為了</a:t>
-            </a:r>
-            <a:r>
-              <a:rPr lang="zh-TW" altLang="en-US" sz="6400" b="1" dirty="0">
-                <a:solidFill>
-                  <a:srgbClr val="000066"/>
-                </a:solidFill>
-                <a:latin typeface="微軟正黑體" pitchFamily="34" charset="-120"/>
-                <a:ea typeface="微軟正黑體" pitchFamily="34" charset="-120"/>
-              </a:rPr>
-              <a:t>愛  親</a:t>
-            </a:r>
-            <a:r>
-              <a:rPr lang="zh-TW" altLang="en-US" sz="6400" b="1" dirty="0">
-                <a:solidFill>
-                  <a:srgbClr val="000066"/>
-                </a:solidFill>
-                <a:latin typeface="微軟正黑體" pitchFamily="34" charset="-120"/>
-                <a:ea typeface="微軟正黑體" pitchFamily="34" charset="-120"/>
-              </a:rPr>
-              <a:t>愛耶</a:t>
-            </a:r>
-            <a:r>
-              <a:rPr lang="zh-TW" altLang="en-US" sz="6400" b="1" dirty="0">
-                <a:solidFill>
-                  <a:srgbClr val="000066"/>
-                </a:solidFill>
-                <a:latin typeface="微軟正黑體" pitchFamily="34" charset="-120"/>
-                <a:ea typeface="微軟正黑體" pitchFamily="34" charset="-120"/>
-              </a:rPr>
-              <a:t>穌  降</a:t>
-            </a:r>
-            <a:r>
-              <a:rPr lang="zh-TW" altLang="en-US" sz="6400" b="1" dirty="0">
-                <a:solidFill>
-                  <a:srgbClr val="000066"/>
-                </a:solidFill>
-                <a:latin typeface="微軟正黑體" pitchFamily="34" charset="-120"/>
-                <a:ea typeface="微軟正黑體" pitchFamily="34" charset="-120"/>
-              </a:rPr>
-              <a:t>生在馬槽</a:t>
+              <a:t>是為了愛  親愛耶穌  降生在馬槽</a:t>
             </a:r>
             <a:endParaRPr lang="en-US" altLang="zh-CN" sz="6400" b="1" dirty="0">
               <a:solidFill>
@@ -7754,17 +7530,7 @@
                 <a:latin typeface="Microsoft JhengHei" panose="020B0604030504040204" pitchFamily="34" charset="-120"/>
                 <a:ea typeface="Microsoft JhengHei" panose="020B0604030504040204" pitchFamily="34" charset="-120"/>
               </a:rPr>
-              <a:t> </a:t>
-            </a:r>
-            <a:r>
-              <a:rPr lang="en-US" sz="3733" b="1" dirty="0">
-                <a:solidFill>
-                  <a:srgbClr val="000066"/>
-                </a:solidFill>
-                <a:latin typeface="Microsoft JhengHei" panose="020B0604030504040204" pitchFamily="34" charset="-120"/>
-                <a:ea typeface="Microsoft JhengHei" panose="020B0604030504040204" pitchFamily="34" charset="-120"/>
-              </a:rPr>
-              <a:t>)</a:t>
+              <a:t> )</a:t>
             </a:r>
             <a:endParaRPr lang="vi-VN" sz="3733" b="1" dirty="0">
               <a:solidFill>
@@ -7839,67 +7605,7 @@
                 <a:latin typeface="微軟正黑體" pitchFamily="34" charset="-120"/>
                 <a:ea typeface="微軟正黑體" pitchFamily="34" charset="-120"/>
               </a:rPr>
-              <a:t>是為了</a:t>
-            </a:r>
-            <a:r>
-              <a:rPr lang="zh-TW" altLang="en-US" sz="6400" b="1" dirty="0">
-                <a:solidFill>
-                  <a:srgbClr val="000066"/>
-                </a:solidFill>
-                <a:latin typeface="微軟正黑體" pitchFamily="34" charset="-120"/>
-                <a:ea typeface="微軟正黑體" pitchFamily="34" charset="-120"/>
-              </a:rPr>
-              <a:t>愛  背</a:t>
-            </a:r>
-            <a:r>
-              <a:rPr lang="zh-TW" altLang="en-US" sz="6400" b="1" dirty="0">
-                <a:solidFill>
-                  <a:srgbClr val="000066"/>
-                </a:solidFill>
-                <a:latin typeface="微軟正黑體" pitchFamily="34" charset="-120"/>
-                <a:ea typeface="微軟正黑體" pitchFamily="34" charset="-120"/>
-              </a:rPr>
-              <a:t>負重</a:t>
-            </a:r>
-            <a:r>
-              <a:rPr lang="zh-TW" altLang="en-US" sz="6400" b="1" dirty="0">
-                <a:solidFill>
-                  <a:srgbClr val="000066"/>
-                </a:solidFill>
-                <a:latin typeface="微軟正黑體" pitchFamily="34" charset="-120"/>
-                <a:ea typeface="微軟正黑體" pitchFamily="34" charset="-120"/>
-              </a:rPr>
-              <a:t>擔</a:t>
-            </a:r>
-            <a:r>
-              <a:rPr lang="zh-TW" altLang="en-US" sz="6400" b="1" dirty="0">
-                <a:solidFill>
-                  <a:srgbClr val="000066"/>
-                </a:solidFill>
-                <a:latin typeface="微軟正黑體" pitchFamily="34" charset="-120"/>
-                <a:ea typeface="微軟正黑體" pitchFamily="34" charset="-120"/>
-              </a:rPr>
-              <a:t> </a:t>
-            </a:r>
-            <a:r>
-              <a:rPr lang="zh-TW" altLang="en-US" sz="6400" b="1" dirty="0">
-                <a:solidFill>
-                  <a:srgbClr val="000066"/>
-                </a:solidFill>
-                <a:latin typeface="微軟正黑體" pitchFamily="34" charset="-120"/>
-                <a:ea typeface="微軟正黑體" pitchFamily="34" charset="-120"/>
-              </a:rPr>
-              <a:t> 讓</a:t>
-            </a:r>
-            <a:r>
-              <a:rPr lang="zh-TW" altLang="en-US" sz="6400" b="1" dirty="0">
-                <a:solidFill>
-                  <a:srgbClr val="000066"/>
-                </a:solidFill>
-                <a:latin typeface="微軟正黑體" pitchFamily="34" charset="-120"/>
-                <a:ea typeface="微軟正黑體" pitchFamily="34" charset="-120"/>
-              </a:rPr>
-              <a:t>我得平安</a:t>
+              <a:t>是為了愛  背負重擔  讓我得平安</a:t>
             </a:r>
             <a:endParaRPr lang="en-US" altLang="zh-CN" sz="6400" b="1" dirty="0">
               <a:solidFill>
@@ -8391,17 +8097,7 @@
                 <a:latin typeface="Microsoft JhengHei" panose="020B0604030504040204" pitchFamily="34" charset="-120"/>
                 <a:ea typeface="Microsoft JhengHei" panose="020B0604030504040204" pitchFamily="34" charset="-120"/>
               </a:rPr>
-              <a:t> </a:t>
-            </a:r>
-            <a:r>
-              <a:rPr lang="en-US" sz="3733" b="1" dirty="0">
-                <a:solidFill>
-                  <a:srgbClr val="000066"/>
-                </a:solidFill>
-                <a:latin typeface="Microsoft JhengHei" panose="020B0604030504040204" pitchFamily="34" charset="-120"/>
-                <a:ea typeface="Microsoft JhengHei" panose="020B0604030504040204" pitchFamily="34" charset="-120"/>
-              </a:rPr>
-              <a:t>)</a:t>
+              <a:t> )</a:t>
             </a:r>
             <a:endParaRPr lang="vi-VN" sz="3733" b="1" dirty="0">
               <a:solidFill>
@@ -8476,27 +8172,7 @@
                 <a:latin typeface="微軟正黑體" pitchFamily="34" charset="-120"/>
                 <a:ea typeface="微軟正黑體" pitchFamily="34" charset="-120"/>
               </a:rPr>
-              <a:t>謝謝天</a:t>
-            </a:r>
-            <a:r>
-              <a:rPr lang="zh-TW" altLang="en-US" sz="6400" b="1" dirty="0">
-                <a:solidFill>
-                  <a:srgbClr val="000066"/>
-                </a:solidFill>
-                <a:latin typeface="微軟正黑體" pitchFamily="34" charset="-120"/>
-                <a:ea typeface="微軟正黑體" pitchFamily="34" charset="-120"/>
-              </a:rPr>
-              <a:t>父  賜</a:t>
-            </a:r>
-            <a:r>
-              <a:rPr lang="zh-TW" altLang="en-US" sz="6400" b="1" dirty="0">
-                <a:solidFill>
-                  <a:srgbClr val="000066"/>
-                </a:solidFill>
-                <a:latin typeface="微軟正黑體" pitchFamily="34" charset="-120"/>
-                <a:ea typeface="微軟正黑體" pitchFamily="34" charset="-120"/>
-              </a:rPr>
-              <a:t>下生命的禮物</a:t>
+              <a:t>謝謝天父  賜下生命的禮物</a:t>
             </a:r>
             <a:endParaRPr lang="en-US" altLang="zh-CN" sz="6400" b="1" dirty="0">
               <a:solidFill>
@@ -8897,17 +8573,7 @@
                 <a:latin typeface="Microsoft JhengHei" panose="020B0604030504040204" pitchFamily="34" charset="-120"/>
                 <a:ea typeface="Microsoft JhengHei" panose="020B0604030504040204" pitchFamily="34" charset="-120"/>
               </a:rPr>
-              <a:t> </a:t>
-            </a:r>
-            <a:r>
-              <a:rPr lang="en-US" sz="3733" b="1" dirty="0">
-                <a:solidFill>
-                  <a:srgbClr val="000066"/>
-                </a:solidFill>
-                <a:latin typeface="Microsoft JhengHei" panose="020B0604030504040204" pitchFamily="34" charset="-120"/>
-                <a:ea typeface="Microsoft JhengHei" panose="020B0604030504040204" pitchFamily="34" charset="-120"/>
-              </a:rPr>
-              <a:t>)</a:t>
+              <a:t> )</a:t>
             </a:r>
             <a:endParaRPr lang="vi-VN" sz="3733" b="1" dirty="0">
               <a:solidFill>
@@ -8982,27 +8648,7 @@
                 <a:latin typeface="微軟正黑體" pitchFamily="34" charset="-120"/>
                 <a:ea typeface="微軟正黑體" pitchFamily="34" charset="-120"/>
               </a:rPr>
-              <a:t>謝謝耶</a:t>
-            </a:r>
-            <a:r>
-              <a:rPr lang="zh-TW" altLang="en-US" sz="6400" b="1" dirty="0">
-                <a:solidFill>
-                  <a:srgbClr val="000066"/>
-                </a:solidFill>
-                <a:latin typeface="微軟正黑體" pitchFamily="34" charset="-120"/>
-                <a:ea typeface="微軟正黑體" pitchFamily="34" charset="-120"/>
-              </a:rPr>
-              <a:t>穌  以</a:t>
-            </a:r>
-            <a:r>
-              <a:rPr lang="zh-TW" altLang="en-US" sz="6400" b="1" dirty="0">
-                <a:solidFill>
-                  <a:srgbClr val="000066"/>
-                </a:solidFill>
-                <a:latin typeface="微軟正黑體" pitchFamily="34" charset="-120"/>
-                <a:ea typeface="微軟正黑體" pitchFamily="34" charset="-120"/>
-              </a:rPr>
-              <a:t>愛帶來救贖</a:t>
+              <a:t>謝謝耶穌  以愛帶來救贖</a:t>
             </a:r>
             <a:endParaRPr lang="en-US" altLang="zh-CN" sz="6400" b="1" dirty="0">
               <a:solidFill>
@@ -9425,17 +9071,7 @@
                 <a:latin typeface="Microsoft JhengHei" panose="020B0604030504040204" pitchFamily="34" charset="-120"/>
                 <a:ea typeface="Microsoft JhengHei" panose="020B0604030504040204" pitchFamily="34" charset="-120"/>
               </a:rPr>
-              <a:t> </a:t>
-            </a:r>
-            <a:r>
-              <a:rPr lang="en-US" sz="3733" b="1" dirty="0">
-                <a:solidFill>
-                  <a:srgbClr val="000066"/>
-                </a:solidFill>
-                <a:latin typeface="Microsoft JhengHei" panose="020B0604030504040204" pitchFamily="34" charset="-120"/>
-                <a:ea typeface="Microsoft JhengHei" panose="020B0604030504040204" pitchFamily="34" charset="-120"/>
-              </a:rPr>
-              <a:t>)</a:t>
+              <a:t> )</a:t>
             </a:r>
             <a:endParaRPr lang="vi-VN" sz="3733" b="1" dirty="0">
               <a:solidFill>
